--- a/courses/avd/lecture3.pptx
+++ b/courses/avd/lecture3.pptx
@@ -5,10 +5,10 @@
     <p:sldMasterId id="2147483816" r:id="rId1"/>
   </p:sldMasterIdLst>
   <p:notesMasterIdLst>
-    <p:notesMasterId r:id="rId13"/>
+    <p:notesMasterId r:id="rId15"/>
   </p:notesMasterIdLst>
   <p:handoutMasterIdLst>
-    <p:handoutMasterId r:id="rId14"/>
+    <p:handoutMasterId r:id="rId16"/>
   </p:handoutMasterIdLst>
   <p:sldIdLst>
     <p:sldId id="256" r:id="rId2"/>
@@ -22,6 +22,8 @@
     <p:sldId id="446" r:id="rId10"/>
     <p:sldId id="447" r:id="rId11"/>
     <p:sldId id="450" r:id="rId12"/>
+    <p:sldId id="451" r:id="rId13"/>
+    <p:sldId id="452" r:id="rId14"/>
   </p:sldIdLst>
   <p:sldSz cx="9144000" cy="6858000" type="screen4x3"/>
   <p:notesSz cx="6858000" cy="9144000"/>
@@ -4959,6 +4961,338 @@
     <p:extLst>
       <p:ext uri="{BB962C8B-B14F-4D97-AF65-F5344CB8AC3E}">
         <p14:creationId xmlns:p14="http://schemas.microsoft.com/office/powerpoint/2010/main" val="1718928413"/>
+      </p:ext>
+    </p:extLst>
+  </p:cSld>
+  <p:clrMapOvr>
+    <a:masterClrMapping/>
+  </p:clrMapOvr>
+  <p:transition spd="med">
+    <p:wipe dir="r"/>
+  </p:transition>
+</p:sld>
+</file>
+
+<file path=ppt/slides/slide12.xml><?xml version="1.0" encoding="utf-8"?>
+<p:sld xmlns:a="http://schemas.openxmlformats.org/drawingml/2006/main" xmlns:r="http://schemas.openxmlformats.org/officeDocument/2006/relationships" xmlns:p="http://schemas.openxmlformats.org/presentationml/2006/main">
+  <p:cSld>
+    <p:spTree>
+      <p:nvGrpSpPr>
+        <p:cNvPr id="1" name=""/>
+        <p:cNvGrpSpPr/>
+        <p:nvPr/>
+      </p:nvGrpSpPr>
+      <p:grpSpPr>
+        <a:xfrm>
+          <a:off x="0" y="0"/>
+          <a:ext cx="0" cy="0"/>
+          <a:chOff x="0" y="0"/>
+          <a:chExt cx="0" cy="0"/>
+        </a:xfrm>
+      </p:grpSpPr>
+      <p:sp>
+        <p:nvSpPr>
+          <p:cNvPr id="2" name="Title 1">
+            <a:extLst>
+              <a:ext uri="{FF2B5EF4-FFF2-40B4-BE49-F238E27FC236}">
+                <a16:creationId xmlns:a16="http://schemas.microsoft.com/office/drawing/2014/main" id="{DC9C22B3-F9B0-AB4E-BAAF-E267D94E7B21}"/>
+              </a:ext>
+            </a:extLst>
+          </p:cNvPr>
+          <p:cNvSpPr>
+            <a:spLocks noGrp="1"/>
+          </p:cNvSpPr>
+          <p:nvPr>
+            <p:ph type="title"/>
+          </p:nvPr>
+        </p:nvSpPr>
+        <p:spPr/>
+        <p:txBody>
+          <a:bodyPr/>
+          <a:lstStyle/>
+          <a:p>
+            <a:r>
+              <a:rPr lang="en-VN" dirty="0"/>
+              <a:t>Demo CRUD for Google Drive</a:t>
+            </a:r>
+          </a:p>
+        </p:txBody>
+      </p:sp>
+      <p:sp>
+        <p:nvSpPr>
+          <p:cNvPr id="3" name="Content Placeholder 2">
+            <a:extLst>
+              <a:ext uri="{FF2B5EF4-FFF2-40B4-BE49-F238E27FC236}">
+                <a16:creationId xmlns:a16="http://schemas.microsoft.com/office/drawing/2014/main" id="{B464AA98-8A4B-D544-8620-5E6508D9A360}"/>
+              </a:ext>
+            </a:extLst>
+          </p:cNvPr>
+          <p:cNvSpPr>
+            <a:spLocks noGrp="1"/>
+          </p:cNvSpPr>
+          <p:nvPr>
+            <p:ph idx="1"/>
+          </p:nvPr>
+        </p:nvSpPr>
+        <p:spPr/>
+        <p:txBody>
+          <a:bodyPr/>
+          <a:lstStyle/>
+          <a:p>
+            <a:r>
+              <a:rPr lang="en-US" dirty="0"/>
+              <a:t>Go </a:t>
+            </a:r>
+            <a:r>
+              <a:rPr lang="en-US" dirty="0">
+                <a:hlinkClick r:id="rId2"/>
+              </a:rPr>
+              <a:t>https://developers.google.com/oauthplayground/</a:t>
+            </a:r>
+            <a:r>
+              <a:rPr lang="en-US" dirty="0"/>
+              <a:t> </a:t>
+            </a:r>
+          </a:p>
+          <a:p>
+            <a:r>
+              <a:rPr lang="en-US" dirty="0"/>
+              <a:t>Select all permission of Drive and get token</a:t>
+            </a:r>
+          </a:p>
+          <a:p>
+            <a:r>
+              <a:rPr lang="en-US" dirty="0"/>
+              <a:t>Based on Drive Reference to perform CRUD via Postman/Insomnia:</a:t>
+            </a:r>
+          </a:p>
+          <a:p>
+            <a:pPr marL="0" indent="0">
+              <a:buNone/>
+            </a:pPr>
+            <a:r>
+              <a:rPr lang="en-US" dirty="0">
+                <a:hlinkClick r:id="rId3"/>
+              </a:rPr>
+              <a:t>https://developers.google.com/drive/api/v3/reference</a:t>
+            </a:r>
+            <a:endParaRPr lang="en-US" dirty="0"/>
+          </a:p>
+          <a:p>
+            <a:pPr marL="0" indent="0">
+              <a:buNone/>
+            </a:pPr>
+            <a:endParaRPr lang="en-VN" dirty="0"/>
+          </a:p>
+        </p:txBody>
+      </p:sp>
+      <p:sp>
+        <p:nvSpPr>
+          <p:cNvPr id="4" name="Date Placeholder 3">
+            <a:extLst>
+              <a:ext uri="{FF2B5EF4-FFF2-40B4-BE49-F238E27FC236}">
+                <a16:creationId xmlns:a16="http://schemas.microsoft.com/office/drawing/2014/main" id="{201E44E9-2A0F-4945-96BA-979CA70C0D3B}"/>
+              </a:ext>
+            </a:extLst>
+          </p:cNvPr>
+          <p:cNvSpPr>
+            <a:spLocks noGrp="1"/>
+          </p:cNvSpPr>
+          <p:nvPr>
+            <p:ph type="dt" sz="half" idx="11"/>
+          </p:nvPr>
+        </p:nvSpPr>
+        <p:spPr/>
+        <p:txBody>
+          <a:bodyPr/>
+          <a:lstStyle/>
+          <a:p>
+            <a:r>
+              <a:rPr lang="en-US" dirty="0"/>
+              <a:t>22/09/2020</a:t>
+            </a:r>
+          </a:p>
+        </p:txBody>
+      </p:sp>
+      <p:sp>
+        <p:nvSpPr>
+          <p:cNvPr id="5" name="Slide Number Placeholder 4">
+            <a:extLst>
+              <a:ext uri="{FF2B5EF4-FFF2-40B4-BE49-F238E27FC236}">
+                <a16:creationId xmlns:a16="http://schemas.microsoft.com/office/drawing/2014/main" id="{57AF61A8-AEEF-DB4B-A10B-9BA7E55EE654}"/>
+              </a:ext>
+            </a:extLst>
+          </p:cNvPr>
+          <p:cNvSpPr>
+            <a:spLocks noGrp="1"/>
+          </p:cNvSpPr>
+          <p:nvPr>
+            <p:ph type="sldNum" sz="quarter" idx="12"/>
+          </p:nvPr>
+        </p:nvSpPr>
+        <p:spPr/>
+        <p:txBody>
+          <a:bodyPr/>
+          <a:lstStyle/>
+          <a:p>
+            <a:fld id="{1D5CD492-2BC6-F348-9965-EC1D86DF57A8}" type="slidenum">
+              <a:rPr lang="en-US" smtClean="0"/>
+              <a:t>12</a:t>
+            </a:fld>
+            <a:endParaRPr lang="en-US"/>
+          </a:p>
+        </p:txBody>
+      </p:sp>
+    </p:spTree>
+    <p:extLst>
+      <p:ext uri="{BB962C8B-B14F-4D97-AF65-F5344CB8AC3E}">
+        <p14:creationId xmlns:p14="http://schemas.microsoft.com/office/powerpoint/2010/main" val="681453438"/>
+      </p:ext>
+    </p:extLst>
+  </p:cSld>
+  <p:clrMapOvr>
+    <a:masterClrMapping/>
+  </p:clrMapOvr>
+  <p:transition spd="med">
+    <p:wipe dir="r"/>
+  </p:transition>
+</p:sld>
+</file>
+
+<file path=ppt/slides/slide13.xml><?xml version="1.0" encoding="utf-8"?>
+<p:sld xmlns:a="http://schemas.openxmlformats.org/drawingml/2006/main" xmlns:r="http://schemas.openxmlformats.org/officeDocument/2006/relationships" xmlns:p="http://schemas.openxmlformats.org/presentationml/2006/main">
+  <p:cSld>
+    <p:spTree>
+      <p:nvGrpSpPr>
+        <p:cNvPr id="1" name=""/>
+        <p:cNvGrpSpPr/>
+        <p:nvPr/>
+      </p:nvGrpSpPr>
+      <p:grpSpPr>
+        <a:xfrm>
+          <a:off x="0" y="0"/>
+          <a:ext cx="0" cy="0"/>
+          <a:chOff x="0" y="0"/>
+          <a:chExt cx="0" cy="0"/>
+        </a:xfrm>
+      </p:grpSpPr>
+      <p:sp>
+        <p:nvSpPr>
+          <p:cNvPr id="2" name="Title 1">
+            <a:extLst>
+              <a:ext uri="{FF2B5EF4-FFF2-40B4-BE49-F238E27FC236}">
+                <a16:creationId xmlns:a16="http://schemas.microsoft.com/office/drawing/2014/main" id="{DE84A8E4-65BA-414B-B3E6-5432178A5403}"/>
+              </a:ext>
+            </a:extLst>
+          </p:cNvPr>
+          <p:cNvSpPr>
+            <a:spLocks noGrp="1"/>
+          </p:cNvSpPr>
+          <p:nvPr>
+            <p:ph type="title"/>
+          </p:nvPr>
+        </p:nvSpPr>
+        <p:spPr/>
+        <p:txBody>
+          <a:bodyPr/>
+          <a:lstStyle/>
+          <a:p>
+            <a:r>
+              <a:rPr lang="en-VN" dirty="0"/>
+              <a:t>Homework</a:t>
+            </a:r>
+          </a:p>
+        </p:txBody>
+      </p:sp>
+      <p:sp>
+        <p:nvSpPr>
+          <p:cNvPr id="3" name="Content Placeholder 2">
+            <a:extLst>
+              <a:ext uri="{FF2B5EF4-FFF2-40B4-BE49-F238E27FC236}">
+                <a16:creationId xmlns:a16="http://schemas.microsoft.com/office/drawing/2014/main" id="{51D39EF8-C41E-F645-ADBB-D8B584DD80EC}"/>
+              </a:ext>
+            </a:extLst>
+          </p:cNvPr>
+          <p:cNvSpPr>
+            <a:spLocks noGrp="1"/>
+          </p:cNvSpPr>
+          <p:nvPr>
+            <p:ph idx="1"/>
+          </p:nvPr>
+        </p:nvSpPr>
+        <p:spPr/>
+        <p:txBody>
+          <a:bodyPr/>
+          <a:lstStyle/>
+          <a:p>
+            <a:r>
+              <a:rPr lang="en-VN" dirty="0"/>
+              <a:t>Complete assignment 2,3,4,5 of Coursera course.</a:t>
+            </a:r>
+          </a:p>
+        </p:txBody>
+      </p:sp>
+      <p:sp>
+        <p:nvSpPr>
+          <p:cNvPr id="4" name="Date Placeholder 3">
+            <a:extLst>
+              <a:ext uri="{FF2B5EF4-FFF2-40B4-BE49-F238E27FC236}">
+                <a16:creationId xmlns:a16="http://schemas.microsoft.com/office/drawing/2014/main" id="{93644E52-F7D8-6C4F-8301-544755930AF7}"/>
+              </a:ext>
+            </a:extLst>
+          </p:cNvPr>
+          <p:cNvSpPr>
+            <a:spLocks noGrp="1"/>
+          </p:cNvSpPr>
+          <p:nvPr>
+            <p:ph type="dt" sz="half" idx="11"/>
+          </p:nvPr>
+        </p:nvSpPr>
+        <p:spPr/>
+        <p:txBody>
+          <a:bodyPr/>
+          <a:lstStyle/>
+          <a:p>
+            <a:r>
+              <a:rPr lang="en-US" dirty="0"/>
+              <a:t>22/09/2020</a:t>
+            </a:r>
+          </a:p>
+        </p:txBody>
+      </p:sp>
+      <p:sp>
+        <p:nvSpPr>
+          <p:cNvPr id="5" name="Slide Number Placeholder 4">
+            <a:extLst>
+              <a:ext uri="{FF2B5EF4-FFF2-40B4-BE49-F238E27FC236}">
+                <a16:creationId xmlns:a16="http://schemas.microsoft.com/office/drawing/2014/main" id="{39E9E30E-C1B4-4D4F-9559-7A4BE82282CE}"/>
+              </a:ext>
+            </a:extLst>
+          </p:cNvPr>
+          <p:cNvSpPr>
+            <a:spLocks noGrp="1"/>
+          </p:cNvSpPr>
+          <p:nvPr>
+            <p:ph type="sldNum" sz="quarter" idx="12"/>
+          </p:nvPr>
+        </p:nvSpPr>
+        <p:spPr/>
+        <p:txBody>
+          <a:bodyPr/>
+          <a:lstStyle/>
+          <a:p>
+            <a:fld id="{1D5CD492-2BC6-F348-9965-EC1D86DF57A8}" type="slidenum">
+              <a:rPr lang="en-US" smtClean="0"/>
+              <a:t>13</a:t>
+            </a:fld>
+            <a:endParaRPr lang="en-US"/>
+          </a:p>
+        </p:txBody>
+      </p:sp>
+    </p:spTree>
+    <p:extLst>
+      <p:ext uri="{BB962C8B-B14F-4D97-AF65-F5344CB8AC3E}">
+        <p14:creationId xmlns:p14="http://schemas.microsoft.com/office/powerpoint/2010/main" val="4067905506"/>
       </p:ext>
     </p:extLst>
   </p:cSld>
